--- a/Power BI Financial Analysis.pptx
+++ b/Power BI Financial Analysis.pptx
@@ -206,7 +206,7 @@
           <a:p>
             <a:fld id="{2BEEBEED-A6EF-4447-94F2-5EAFDF8709CB}" type="datetimeFigureOut">
               <a:rPr lang="en-CA" smtClean="0"/>
-              <a:t>2023-11-23</a:t>
+              <a:t>2023-11-24</a:t>
             </a:fld>
             <a:endParaRPr lang="en-CA"/>
           </a:p>
@@ -623,7 +623,7 @@
           <a:p>
             <a:fld id="{7EAD70B9-A7E7-464B-BAAA-1BB83AA73A2A}" type="datetimeFigureOut">
               <a:rPr lang="en-CA" smtClean="0"/>
-              <a:t>2023-11-23</a:t>
+              <a:t>2023-11-24</a:t>
             </a:fld>
             <a:endParaRPr lang="en-CA"/>
           </a:p>
@@ -823,7 +823,7 @@
           <a:p>
             <a:fld id="{7EAD70B9-A7E7-464B-BAAA-1BB83AA73A2A}" type="datetimeFigureOut">
               <a:rPr lang="en-CA" smtClean="0"/>
-              <a:t>2023-11-23</a:t>
+              <a:t>2023-11-24</a:t>
             </a:fld>
             <a:endParaRPr lang="en-CA"/>
           </a:p>
@@ -1033,7 +1033,7 @@
           <a:p>
             <a:fld id="{7EAD70B9-A7E7-464B-BAAA-1BB83AA73A2A}" type="datetimeFigureOut">
               <a:rPr lang="en-CA" smtClean="0"/>
-              <a:t>2023-11-23</a:t>
+              <a:t>2023-11-24</a:t>
             </a:fld>
             <a:endParaRPr lang="en-CA"/>
           </a:p>
@@ -1233,7 +1233,7 @@
           <a:p>
             <a:fld id="{7EAD70B9-A7E7-464B-BAAA-1BB83AA73A2A}" type="datetimeFigureOut">
               <a:rPr lang="en-CA" smtClean="0"/>
-              <a:t>2023-11-23</a:t>
+              <a:t>2023-11-24</a:t>
             </a:fld>
             <a:endParaRPr lang="en-CA"/>
           </a:p>
@@ -1509,7 +1509,7 @@
           <a:p>
             <a:fld id="{7EAD70B9-A7E7-464B-BAAA-1BB83AA73A2A}" type="datetimeFigureOut">
               <a:rPr lang="en-CA" smtClean="0"/>
-              <a:t>2023-11-23</a:t>
+              <a:t>2023-11-24</a:t>
             </a:fld>
             <a:endParaRPr lang="en-CA"/>
           </a:p>
@@ -1777,7 +1777,7 @@
           <a:p>
             <a:fld id="{7EAD70B9-A7E7-464B-BAAA-1BB83AA73A2A}" type="datetimeFigureOut">
               <a:rPr lang="en-CA" smtClean="0"/>
-              <a:t>2023-11-23</a:t>
+              <a:t>2023-11-24</a:t>
             </a:fld>
             <a:endParaRPr lang="en-CA"/>
           </a:p>
@@ -2192,7 +2192,7 @@
           <a:p>
             <a:fld id="{7EAD70B9-A7E7-464B-BAAA-1BB83AA73A2A}" type="datetimeFigureOut">
               <a:rPr lang="en-CA" smtClean="0"/>
-              <a:t>2023-11-23</a:t>
+              <a:t>2023-11-24</a:t>
             </a:fld>
             <a:endParaRPr lang="en-CA"/>
           </a:p>
@@ -2334,7 +2334,7 @@
           <a:p>
             <a:fld id="{7EAD70B9-A7E7-464B-BAAA-1BB83AA73A2A}" type="datetimeFigureOut">
               <a:rPr lang="en-CA" smtClean="0"/>
-              <a:t>2023-11-23</a:t>
+              <a:t>2023-11-24</a:t>
             </a:fld>
             <a:endParaRPr lang="en-CA"/>
           </a:p>
@@ -2447,7 +2447,7 @@
           <a:p>
             <a:fld id="{7EAD70B9-A7E7-464B-BAAA-1BB83AA73A2A}" type="datetimeFigureOut">
               <a:rPr lang="en-CA" smtClean="0"/>
-              <a:t>2023-11-23</a:t>
+              <a:t>2023-11-24</a:t>
             </a:fld>
             <a:endParaRPr lang="en-CA"/>
           </a:p>
@@ -2760,7 +2760,7 @@
           <a:p>
             <a:fld id="{7EAD70B9-A7E7-464B-BAAA-1BB83AA73A2A}" type="datetimeFigureOut">
               <a:rPr lang="en-CA" smtClean="0"/>
-              <a:t>2023-11-23</a:t>
+              <a:t>2023-11-24</a:t>
             </a:fld>
             <a:endParaRPr lang="en-CA"/>
           </a:p>
@@ -3049,7 +3049,7 @@
           <a:p>
             <a:fld id="{7EAD70B9-A7E7-464B-BAAA-1BB83AA73A2A}" type="datetimeFigureOut">
               <a:rPr lang="en-CA" smtClean="0"/>
-              <a:t>2023-11-23</a:t>
+              <a:t>2023-11-24</a:t>
             </a:fld>
             <a:endParaRPr lang="en-CA"/>
           </a:p>
@@ -3292,7 +3292,7 @@
           <a:p>
             <a:fld id="{7EAD70B9-A7E7-464B-BAAA-1BB83AA73A2A}" type="datetimeFigureOut">
               <a:rPr lang="en-CA" smtClean="0"/>
-              <a:t>2023-11-23</a:t>
+              <a:t>2023-11-24</a:t>
             </a:fld>
             <a:endParaRPr lang="en-CA"/>
           </a:p>
@@ -4249,7 +4249,15 @@
             </a:pPr>
             <a:r>
               <a:rPr lang="en-US" dirty="0"/>
-              <a:t>The dashboard contains 5 pages:</a:t>
+              <a:t>The dashboard </a:t>
+            </a:r>
+            <a:r>
+              <a:rPr lang="en-US"/>
+              <a:t>contains 6 </a:t>
+            </a:r>
+            <a:r>
+              <a:rPr lang="en-US" dirty="0"/>
+              <a:t>pages:</a:t>
             </a:r>
           </a:p>
           <a:p>
@@ -4266,10 +4274,9 @@
               <a:buAutoNum type="arabicPeriod"/>
             </a:pPr>
             <a:r>
-              <a:rPr lang="en-US"/>
+              <a:rPr lang="en-US" dirty="0"/>
               <a:t>Summary </a:t>
             </a:r>
-            <a:endParaRPr lang="en-US" dirty="0"/>
           </a:p>
           <a:p>
             <a:pPr marL="514350" indent="-514350">

--- a/Power BI Financial Analysis.pptx
+++ b/Power BI Financial Analysis.pptx
@@ -4511,41 +4511,6 @@
           <a:chExt cx="0" cy="0"/>
         </a:xfrm>
       </p:grpSpPr>
-      <p:pic>
-        <p:nvPicPr>
-          <p:cNvPr id="5" name="Content Placeholder 4">
-            <a:extLst>
-              <a:ext uri="{FF2B5EF4-FFF2-40B4-BE49-F238E27FC236}">
-                <a16:creationId xmlns:a16="http://schemas.microsoft.com/office/drawing/2014/main" id="{99EFC0D2-812C-4908-7B94-1741417DEBFA}"/>
-              </a:ext>
-            </a:extLst>
-          </p:cNvPr>
-          <p:cNvPicPr>
-            <a:picLocks noGrp="1" noChangeAspect="1"/>
-          </p:cNvPicPr>
-          <p:nvPr>
-            <p:ph idx="1"/>
-          </p:nvPr>
-        </p:nvPicPr>
-        <p:blipFill>
-          <a:blip r:embed="rId2">
-            <a:extLst>
-              <a:ext uri="{28A0092B-C50C-407E-A947-70E740481C1C}">
-                <a14:useLocalDpi xmlns:a14="http://schemas.microsoft.com/office/drawing/2010/main" val="0"/>
-              </a:ext>
-            </a:extLst>
-          </a:blip>
-          <a:stretch>
-            <a:fillRect/>
-          </a:stretch>
-        </p:blipFill>
-        <p:spPr>
-          <a:xfrm>
-            <a:off x="534572" y="1589649"/>
-            <a:ext cx="11127545" cy="5050302"/>
-          </a:xfrm>
-        </p:spPr>
-      </p:pic>
       <p:sp>
         <p:nvSpPr>
           <p:cNvPr id="2" name="TextBox 1">
@@ -4602,6 +4567,41 @@
           </a:p>
         </p:txBody>
       </p:sp>
+      <p:pic>
+        <p:nvPicPr>
+          <p:cNvPr id="15" name="Content Placeholder 14">
+            <a:extLst>
+              <a:ext uri="{FF2B5EF4-FFF2-40B4-BE49-F238E27FC236}">
+                <a16:creationId xmlns:a16="http://schemas.microsoft.com/office/drawing/2014/main" id="{FA0B872C-2E8A-8512-837C-EDC03033834F}"/>
+              </a:ext>
+            </a:extLst>
+          </p:cNvPr>
+          <p:cNvPicPr>
+            <a:picLocks noGrp="1" noChangeAspect="1"/>
+          </p:cNvPicPr>
+          <p:nvPr>
+            <p:ph idx="1"/>
+          </p:nvPr>
+        </p:nvPicPr>
+        <p:blipFill>
+          <a:blip r:embed="rId2">
+            <a:extLst>
+              <a:ext uri="{28A0092B-C50C-407E-A947-70E740481C1C}">
+                <a14:useLocalDpi xmlns:a14="http://schemas.microsoft.com/office/drawing/2010/main" val="0"/>
+              </a:ext>
+            </a:extLst>
+          </a:blip>
+          <a:stretch>
+            <a:fillRect/>
+          </a:stretch>
+        </p:blipFill>
+        <p:spPr>
+          <a:xfrm>
+            <a:off x="267286" y="1603044"/>
+            <a:ext cx="11802794" cy="5149448"/>
+          </a:xfrm>
+        </p:spPr>
+      </p:pic>
     </p:spTree>
     <p:extLst>
       <p:ext uri="{BB962C8B-B14F-4D97-AF65-F5344CB8AC3E}">
@@ -4698,10 +4698,10 @@
       </p:sp>
       <p:pic>
         <p:nvPicPr>
-          <p:cNvPr id="5" name="Content Placeholder 4">
-            <a:extLst>
-              <a:ext uri="{FF2B5EF4-FFF2-40B4-BE49-F238E27FC236}">
-                <a16:creationId xmlns:a16="http://schemas.microsoft.com/office/drawing/2014/main" id="{E3532195-FBFB-193A-77D1-D058D1ED021E}"/>
+          <p:cNvPr id="15" name="Content Placeholder 14">
+            <a:extLst>
+              <a:ext uri="{FF2B5EF4-FFF2-40B4-BE49-F238E27FC236}">
+                <a16:creationId xmlns:a16="http://schemas.microsoft.com/office/drawing/2014/main" id="{F1C7F422-16F4-54CA-60AE-DA2F9CD86331}"/>
               </a:ext>
             </a:extLst>
           </p:cNvPr>
@@ -4726,8 +4726,8 @@
         </p:blipFill>
         <p:spPr>
           <a:xfrm>
-            <a:off x="337625" y="1690688"/>
-            <a:ext cx="11516750" cy="4802187"/>
+            <a:off x="478302" y="1690688"/>
+            <a:ext cx="11507371" cy="5047737"/>
           </a:xfrm>
         </p:spPr>
       </p:pic>
@@ -4815,10 +4815,10 @@
       </p:sp>
       <p:pic>
         <p:nvPicPr>
-          <p:cNvPr id="5" name="Content Placeholder 4">
-            <a:extLst>
-              <a:ext uri="{FF2B5EF4-FFF2-40B4-BE49-F238E27FC236}">
-                <a16:creationId xmlns:a16="http://schemas.microsoft.com/office/drawing/2014/main" id="{CD5F4F71-AB10-A4D7-4448-35F8065618C5}"/>
+          <p:cNvPr id="11" name="Content Placeholder 10">
+            <a:extLst>
+              <a:ext uri="{FF2B5EF4-FFF2-40B4-BE49-F238E27FC236}">
+                <a16:creationId xmlns:a16="http://schemas.microsoft.com/office/drawing/2014/main" id="{084D3CB8-69D7-811E-E4DD-F44E6AFAE075}"/>
               </a:ext>
             </a:extLst>
           </p:cNvPr>
@@ -4843,8 +4843,8 @@
         </p:blipFill>
         <p:spPr>
           <a:xfrm>
-            <a:off x="337626" y="1420838"/>
-            <a:ext cx="11718386" cy="5261316"/>
+            <a:off x="379828" y="1301264"/>
+            <a:ext cx="11577710" cy="5380890"/>
           </a:xfrm>
         </p:spPr>
       </p:pic>
@@ -4933,10 +4933,10 @@
       </p:sp>
       <p:pic>
         <p:nvPicPr>
-          <p:cNvPr id="5" name="Content Placeholder 4">
-            <a:extLst>
-              <a:ext uri="{FF2B5EF4-FFF2-40B4-BE49-F238E27FC236}">
-                <a16:creationId xmlns:a16="http://schemas.microsoft.com/office/drawing/2014/main" id="{C833EAF9-1E2D-4AB7-5F15-DE998F63092C}"/>
+          <p:cNvPr id="11" name="Content Placeholder 10">
+            <a:extLst>
+              <a:ext uri="{FF2B5EF4-FFF2-40B4-BE49-F238E27FC236}">
+                <a16:creationId xmlns:a16="http://schemas.microsoft.com/office/drawing/2014/main" id="{718A790F-1572-B12A-155D-6062CC64631E}"/>
               </a:ext>
             </a:extLst>
           </p:cNvPr>
@@ -4961,8 +4961,8 @@
         </p:blipFill>
         <p:spPr>
           <a:xfrm>
-            <a:off x="253218" y="1825624"/>
-            <a:ext cx="11704320" cy="4926867"/>
+            <a:off x="436098" y="1825624"/>
+            <a:ext cx="11465169" cy="4856529"/>
           </a:xfrm>
         </p:spPr>
       </p:pic>
